--- a/PASS Demo Qualitative Text Analysis.pptx
+++ b/PASS Demo Qualitative Text Analysis.pptx
@@ -280,7 +280,7 @@
           <a:p>
             <a:fld id="{70200021-B393-4402-BC0E-7AC41BDFC2F6}" type="datetimeFigureOut">
               <a:rPr lang="en-US" smtClean="0"/>
-              <a:t>1/1/2018</a:t>
+              <a:t>1/9/2018</a:t>
             </a:fld>
             <a:endParaRPr lang="en-US"/>
           </a:p>
@@ -478,7 +478,7 @@
           <a:p>
             <a:fld id="{70200021-B393-4402-BC0E-7AC41BDFC2F6}" type="datetimeFigureOut">
               <a:rPr lang="en-US" smtClean="0"/>
-              <a:t>1/1/2018</a:t>
+              <a:t>1/9/2018</a:t>
             </a:fld>
             <a:endParaRPr lang="en-US"/>
           </a:p>
@@ -686,7 +686,7 @@
           <a:p>
             <a:fld id="{70200021-B393-4402-BC0E-7AC41BDFC2F6}" type="datetimeFigureOut">
               <a:rPr lang="en-US" smtClean="0"/>
-              <a:t>1/1/2018</a:t>
+              <a:t>1/9/2018</a:t>
             </a:fld>
             <a:endParaRPr lang="en-US"/>
           </a:p>
@@ -884,7 +884,7 @@
           <a:p>
             <a:fld id="{70200021-B393-4402-BC0E-7AC41BDFC2F6}" type="datetimeFigureOut">
               <a:rPr lang="en-US" smtClean="0"/>
-              <a:t>1/1/2018</a:t>
+              <a:t>1/9/2018</a:t>
             </a:fld>
             <a:endParaRPr lang="en-US"/>
           </a:p>
@@ -1159,7 +1159,7 @@
           <a:p>
             <a:fld id="{70200021-B393-4402-BC0E-7AC41BDFC2F6}" type="datetimeFigureOut">
               <a:rPr lang="en-US" smtClean="0"/>
-              <a:t>1/1/2018</a:t>
+              <a:t>1/9/2018</a:t>
             </a:fld>
             <a:endParaRPr lang="en-US"/>
           </a:p>
@@ -1424,7 +1424,7 @@
           <a:p>
             <a:fld id="{70200021-B393-4402-BC0E-7AC41BDFC2F6}" type="datetimeFigureOut">
               <a:rPr lang="en-US" smtClean="0"/>
-              <a:t>1/1/2018</a:t>
+              <a:t>1/9/2018</a:t>
             </a:fld>
             <a:endParaRPr lang="en-US"/>
           </a:p>
@@ -1836,7 +1836,7 @@
           <a:p>
             <a:fld id="{70200021-B393-4402-BC0E-7AC41BDFC2F6}" type="datetimeFigureOut">
               <a:rPr lang="en-US" smtClean="0"/>
-              <a:t>1/1/2018</a:t>
+              <a:t>1/9/2018</a:t>
             </a:fld>
             <a:endParaRPr lang="en-US"/>
           </a:p>
@@ -1977,7 +1977,7 @@
           <a:p>
             <a:fld id="{70200021-B393-4402-BC0E-7AC41BDFC2F6}" type="datetimeFigureOut">
               <a:rPr lang="en-US" smtClean="0"/>
-              <a:t>1/1/2018</a:t>
+              <a:t>1/9/2018</a:t>
             </a:fld>
             <a:endParaRPr lang="en-US"/>
           </a:p>
@@ -2090,7 +2090,7 @@
           <a:p>
             <a:fld id="{70200021-B393-4402-BC0E-7AC41BDFC2F6}" type="datetimeFigureOut">
               <a:rPr lang="en-US" smtClean="0"/>
-              <a:t>1/1/2018</a:t>
+              <a:t>1/9/2018</a:t>
             </a:fld>
             <a:endParaRPr lang="en-US"/>
           </a:p>
@@ -2401,7 +2401,7 @@
           <a:p>
             <a:fld id="{70200021-B393-4402-BC0E-7AC41BDFC2F6}" type="datetimeFigureOut">
               <a:rPr lang="en-US" smtClean="0"/>
-              <a:t>1/1/2018</a:t>
+              <a:t>1/9/2018</a:t>
             </a:fld>
             <a:endParaRPr lang="en-US"/>
           </a:p>
@@ -2689,7 +2689,7 @@
           <a:p>
             <a:fld id="{70200021-B393-4402-BC0E-7AC41BDFC2F6}" type="datetimeFigureOut">
               <a:rPr lang="en-US" smtClean="0"/>
-              <a:t>1/1/2018</a:t>
+              <a:t>1/9/2018</a:t>
             </a:fld>
             <a:endParaRPr lang="en-US"/>
           </a:p>
@@ -2930,7 +2930,7 @@
           <a:p>
             <a:fld id="{70200021-B393-4402-BC0E-7AC41BDFC2F6}" type="datetimeFigureOut">
               <a:rPr lang="en-US" smtClean="0"/>
-              <a:t>1/1/2018</a:t>
+              <a:t>1/9/2018</a:t>
             </a:fld>
             <a:endParaRPr lang="en-US"/>
           </a:p>
@@ -4477,13 +4477,8 @@
           <a:p>
             <a:r>
               <a:rPr lang="en-US" dirty="0"/>
-              <a:t>Share, </a:t>
-            </a:r>
-            <a:r>
-              <a:rPr lang="en-US" dirty="0" err="1"/>
-              <a:t>Collabrate</a:t>
-            </a:r>
-            <a:endParaRPr lang="en-US" dirty="0"/>
+              <a:t>Share, Collaborate</a:t>
+            </a:r>
           </a:p>
           <a:p>
             <a:pPr marL="457200" lvl="1" indent="0">
@@ -4624,7 +4619,7 @@
             <a:pPr lvl="1"/>
             <a:r>
               <a:rPr lang="en-US" dirty="0"/>
-              <a:t>Creating some visualizations like Gauge, histogram, </a:t>
+              <a:t>Creating some visualizations like Gauge or </a:t>
             </a:r>
             <a:r>
               <a:rPr lang="en-US" dirty="0" err="1"/>
@@ -4798,7 +4793,7 @@
             <a:pPr lvl="1"/>
             <a:r>
               <a:rPr lang="en-US" dirty="0"/>
-              <a:t>Easy to use and powerful</a:t>
+              <a:t>Easy to use , powerful , creative</a:t>
             </a:r>
           </a:p>
           <a:p>
@@ -4825,10 +4820,9 @@
           <a:p>
             <a:pPr lvl="1"/>
             <a:r>
-              <a:rPr lang="en-US"/>
+              <a:rPr lang="en-US" dirty="0"/>
               <a:t>Demo </a:t>
             </a:r>
-            <a:endParaRPr lang="en-US" dirty="0"/>
           </a:p>
         </p:txBody>
       </p:sp>
@@ -4914,7 +4908,7 @@
         </p:spPr>
         <p:txBody>
           <a:bodyPr>
-            <a:normAutofit fontScale="47500" lnSpcReduction="20000"/>
+            <a:normAutofit fontScale="40000" lnSpcReduction="20000"/>
           </a:bodyPr>
           <a:lstStyle/>
           <a:p>
@@ -4943,13 +4937,13 @@
             </a:pPr>
             <a:r>
               <a:rPr lang="en-US" dirty="0"/>
-              <a:t>Azure Cognitive Services Text Analytics - </a:t>
+              <a:t>Quantitative Data Analysis - </a:t>
             </a:r>
             <a:r>
               <a:rPr lang="en-US" dirty="0">
                 <a:hlinkClick r:id="rId3"/>
               </a:rPr>
-              <a:t>https://docs.microsoft.com/en-us/azure/cognitive-services/text-analytics/overview</a:t>
+              <a:t>https://cyfar.org/analysis-quantitative-data</a:t>
             </a:r>
             <a:endParaRPr lang="en-US" dirty="0"/>
           </a:p>
@@ -4961,13 +4955,13 @@
             </a:pPr>
             <a:r>
               <a:rPr lang="en-US" dirty="0"/>
-              <a:t>Power BI Desktop - </a:t>
+              <a:t>Azure Cognitive Services Text Analytics - </a:t>
             </a:r>
             <a:r>
               <a:rPr lang="en-US" dirty="0">
                 <a:hlinkClick r:id="rId4"/>
               </a:rPr>
-              <a:t>https://powerbi.microsoft.com/en-us/desktop/</a:t>
+              <a:t>https://docs.microsoft.com/en-us/azure/cognitive-services/text-analytics/overview</a:t>
             </a:r>
             <a:endParaRPr lang="en-US" dirty="0"/>
           </a:p>
@@ -4979,13 +4973,13 @@
             </a:pPr>
             <a:r>
               <a:rPr lang="en-US" dirty="0"/>
-              <a:t>Text Analytics with Power BI - </a:t>
+              <a:t>Power BI Desktop - </a:t>
             </a:r>
             <a:r>
               <a:rPr lang="en-US" dirty="0">
                 <a:hlinkClick r:id="rId5"/>
               </a:rPr>
-              <a:t>https://docs.microsoft.com/en-us/azure/cognitive-services/text-analytics/tutorials/tutorial-power-bi-key-phrases</a:t>
+              <a:t>https://powerbi.microsoft.com/en-us/desktop/</a:t>
             </a:r>
             <a:endParaRPr lang="en-US" dirty="0"/>
           </a:p>
@@ -4997,13 +4991,13 @@
             </a:pPr>
             <a:r>
               <a:rPr lang="en-US" dirty="0"/>
-              <a:t>Power BI Service - </a:t>
+              <a:t>Text Analytics with Power BI - </a:t>
             </a:r>
             <a:r>
               <a:rPr lang="en-US" dirty="0">
                 <a:hlinkClick r:id="rId6"/>
               </a:rPr>
-              <a:t>https://docs.microsoft.com/en-us/power-bi/service-basic-concepts</a:t>
+              <a:t>https://docs.microsoft.com/en-us/azure/cognitive-services/text-analytics/tutorials/tutorial-power-bi-key-phrases</a:t>
             </a:r>
             <a:endParaRPr lang="en-US" dirty="0"/>
           </a:p>
@@ -5015,13 +5009,13 @@
             </a:pPr>
             <a:r>
               <a:rPr lang="en-US" dirty="0"/>
-              <a:t>Dashboards in Power BI Service - </a:t>
+              <a:t>Power BI Service - </a:t>
             </a:r>
             <a:r>
               <a:rPr lang="en-US" dirty="0">
                 <a:hlinkClick r:id="rId7"/>
               </a:rPr>
-              <a:t>https://docs.microsoft.com/en-us/power-bi/service-dashboards</a:t>
+              <a:t>https://docs.microsoft.com/en-us/power-bi/service-basic-concepts</a:t>
             </a:r>
             <a:endParaRPr lang="en-US" dirty="0"/>
           </a:p>
@@ -5033,13 +5027,13 @@
             </a:pPr>
             <a:r>
               <a:rPr lang="en-US" dirty="0"/>
-              <a:t>Tableau - </a:t>
+              <a:t>Dashboards in Power BI Service - </a:t>
             </a:r>
             <a:r>
               <a:rPr lang="en-US" dirty="0">
                 <a:hlinkClick r:id="rId8"/>
               </a:rPr>
-              <a:t>https://www.tableau.com/</a:t>
+              <a:t>https://docs.microsoft.com/en-us/power-bi/service-dashboards</a:t>
             </a:r>
             <a:endParaRPr lang="en-US" dirty="0"/>
           </a:p>
@@ -5051,13 +5045,13 @@
             </a:pPr>
             <a:r>
               <a:rPr lang="en-US" dirty="0"/>
-              <a:t>Vertica Pulse - </a:t>
+              <a:t>Tableau - </a:t>
             </a:r>
             <a:r>
               <a:rPr lang="en-US" dirty="0">
                 <a:hlinkClick r:id="rId9"/>
               </a:rPr>
-              <a:t>https://my.vertica.com/docs/8.1.x/HTML/index.htm#Authoring/Pulse/PulseCookbook.htm%3FTocPath%3DVertica%2520Pulse%7CPulse%2520Cookbook%7C_____0</a:t>
+              <a:t>https://www.tableau.com/</a:t>
             </a:r>
             <a:endParaRPr lang="en-US" dirty="0"/>
           </a:p>
@@ -5069,21 +5063,13 @@
             </a:pPr>
             <a:r>
               <a:rPr lang="en-US" dirty="0"/>
-              <a:t>R </a:t>
-            </a:r>
-            <a:r>
-              <a:rPr lang="en-US" dirty="0" err="1"/>
-              <a:t>Tidytext</a:t>
-            </a:r>
-            <a:r>
-              <a:rPr lang="en-US" dirty="0"/>
-              <a:t> package - </a:t>
+              <a:t>Vertica Pulse - </a:t>
             </a:r>
             <a:r>
               <a:rPr lang="en-US" dirty="0">
                 <a:hlinkClick r:id="rId10"/>
               </a:rPr>
-              <a:t>https://cran.r-project.org/web/packages/tidytext/vignettes/tidytext.html</a:t>
+              <a:t>https://my.vertica.com/docs/8.1.x/HTML/index.htm#Authoring/Pulse/PulseCookbook.htm%3FTocPath%3DVertica%2520Pulse%7CPulse%2520Cookbook%7C_____0</a:t>
             </a:r>
             <a:endParaRPr lang="en-US" dirty="0"/>
           </a:p>
@@ -5095,11 +5081,71 @@
             </a:pPr>
             <a:r>
               <a:rPr lang="en-US" dirty="0"/>
-              <a:t>My GitHub - </a:t>
+              <a:t>R </a:t>
+            </a:r>
+            <a:r>
+              <a:rPr lang="en-US" dirty="0" err="1"/>
+              <a:t>Tidytext</a:t>
+            </a:r>
+            <a:r>
+              <a:rPr lang="en-US" dirty="0"/>
+              <a:t> package - </a:t>
             </a:r>
             <a:r>
               <a:rPr lang="en-US" dirty="0">
                 <a:hlinkClick r:id="rId11"/>
+              </a:rPr>
+              <a:t>https://cran.r-project.org/web/packages/tidytext/vignettes/tidytext.html</a:t>
+            </a:r>
+            <a:endParaRPr lang="en-US" dirty="0"/>
+          </a:p>
+          <a:p>
+            <a:pPr>
+              <a:lnSpc>
+                <a:spcPct val="170000"/>
+              </a:lnSpc>
+            </a:pPr>
+            <a:r>
+              <a:rPr lang="en-US" dirty="0"/>
+              <a:t>R </a:t>
+            </a:r>
+            <a:r>
+              <a:rPr lang="en-US" dirty="0" err="1"/>
+              <a:t>syuzhet</a:t>
+            </a:r>
+            <a:r>
+              <a:rPr lang="en-US" dirty="0"/>
+              <a:t> package - </a:t>
+            </a:r>
+            <a:r>
+              <a:rPr lang="en-US" dirty="0">
+                <a:hlinkClick r:id="rId12"/>
+              </a:rPr>
+              <a:t>https://cran.r-project.org/web/packages/syuzhet/vignettes/syuzhet-vignette.html</a:t>
+            </a:r>
+            <a:endParaRPr lang="en-US" dirty="0"/>
+          </a:p>
+          <a:p>
+            <a:pPr>
+              <a:lnSpc>
+                <a:spcPct val="170000"/>
+              </a:lnSpc>
+            </a:pPr>
+            <a:r>
+              <a:rPr lang="en-US" dirty="0"/>
+              <a:t>My GitHub for the R code </a:t>
+            </a:r>
+            <a:r>
+              <a:rPr lang="en-US"/>
+              <a:t>use in Demos  </a:t>
+            </a:r>
+            <a:r>
+              <a:rPr lang="en-US" dirty="0"/>
+              <a:t>- </a:t>
+            </a:r>
+            <a:r>
+              <a:rPr lang="en-US" dirty="0">
+                <a:hlinkClick r:id="rId13"/>
               </a:rPr>
               <a:t>https://github.com/SQLSuperGuru</a:t>
             </a:r>
@@ -5353,7 +5399,7 @@
             </a:pPr>
             <a:r>
               <a:rPr lang="en-US" dirty="0"/>
-              <a:t>Senior Developer – Data Analytics</a:t>
+              <a:t>Senior Developer – Data Analytics @ WWT</a:t>
             </a:r>
           </a:p>
           <a:p>
